--- a/images.pptx
+++ b/images.pptx
@@ -7,7 +7,8 @@
   <p:sldIdLst>
     <p:sldId id="256" r:id="rId2"/>
     <p:sldId id="257" r:id="rId3"/>
-    <p:sldId id="258" r:id="rId4"/>
+    <p:sldId id="259" r:id="rId4"/>
+    <p:sldId id="258" r:id="rId5"/>
   </p:sldIdLst>
   <p:sldSz cx="12192000" cy="6858000"/>
   <p:notesSz cx="6858000" cy="9144000"/>
@@ -106,6 +107,11 @@
       </a:defRPr>
     </a:lvl9pPr>
   </p:defaultTextStyle>
+  <p:extLst>
+    <p:ext uri="{EFAFB233-063F-42B5-8137-9DF3F51BA10A}">
+      <p15:sldGuideLst xmlns:p15="http://schemas.microsoft.com/office/powerpoint/2012/main"/>
+    </p:ext>
+  </p:extLst>
 </p:presentation>
 </file>
 
@@ -256,7 +262,7 @@
           <a:p>
             <a:fld id="{09B03F73-A0FF-4140-8365-F3268484F61D}" type="datetimeFigureOut">
               <a:rPr lang="en-US" smtClean="0"/>
-              <a:t>3/7/2025</a:t>
+              <a:t>3/20/2025</a:t>
             </a:fld>
             <a:endParaRPr lang="en-US"/>
           </a:p>
@@ -454,7 +460,7 @@
           <a:p>
             <a:fld id="{09B03F73-A0FF-4140-8365-F3268484F61D}" type="datetimeFigureOut">
               <a:rPr lang="en-US" smtClean="0"/>
-              <a:t>3/7/2025</a:t>
+              <a:t>3/20/2025</a:t>
             </a:fld>
             <a:endParaRPr lang="en-US"/>
           </a:p>
@@ -662,7 +668,7 @@
           <a:p>
             <a:fld id="{09B03F73-A0FF-4140-8365-F3268484F61D}" type="datetimeFigureOut">
               <a:rPr lang="en-US" smtClean="0"/>
-              <a:t>3/7/2025</a:t>
+              <a:t>3/20/2025</a:t>
             </a:fld>
             <a:endParaRPr lang="en-US"/>
           </a:p>
@@ -860,7 +866,7 @@
           <a:p>
             <a:fld id="{09B03F73-A0FF-4140-8365-F3268484F61D}" type="datetimeFigureOut">
               <a:rPr lang="en-US" smtClean="0"/>
-              <a:t>3/7/2025</a:t>
+              <a:t>3/20/2025</a:t>
             </a:fld>
             <a:endParaRPr lang="en-US"/>
           </a:p>
@@ -1135,7 +1141,7 @@
           <a:p>
             <a:fld id="{09B03F73-A0FF-4140-8365-F3268484F61D}" type="datetimeFigureOut">
               <a:rPr lang="en-US" smtClean="0"/>
-              <a:t>3/7/2025</a:t>
+              <a:t>3/20/2025</a:t>
             </a:fld>
             <a:endParaRPr lang="en-US"/>
           </a:p>
@@ -1400,7 +1406,7 @@
           <a:p>
             <a:fld id="{09B03F73-A0FF-4140-8365-F3268484F61D}" type="datetimeFigureOut">
               <a:rPr lang="en-US" smtClean="0"/>
-              <a:t>3/7/2025</a:t>
+              <a:t>3/20/2025</a:t>
             </a:fld>
             <a:endParaRPr lang="en-US"/>
           </a:p>
@@ -1812,7 +1818,7 @@
           <a:p>
             <a:fld id="{09B03F73-A0FF-4140-8365-F3268484F61D}" type="datetimeFigureOut">
               <a:rPr lang="en-US" smtClean="0"/>
-              <a:t>3/7/2025</a:t>
+              <a:t>3/20/2025</a:t>
             </a:fld>
             <a:endParaRPr lang="en-US"/>
           </a:p>
@@ -1953,7 +1959,7 @@
           <a:p>
             <a:fld id="{09B03F73-A0FF-4140-8365-F3268484F61D}" type="datetimeFigureOut">
               <a:rPr lang="en-US" smtClean="0"/>
-              <a:t>3/7/2025</a:t>
+              <a:t>3/20/2025</a:t>
             </a:fld>
             <a:endParaRPr lang="en-US"/>
           </a:p>
@@ -2066,7 +2072,7 @@
           <a:p>
             <a:fld id="{09B03F73-A0FF-4140-8365-F3268484F61D}" type="datetimeFigureOut">
               <a:rPr lang="en-US" smtClean="0"/>
-              <a:t>3/7/2025</a:t>
+              <a:t>3/20/2025</a:t>
             </a:fld>
             <a:endParaRPr lang="en-US"/>
           </a:p>
@@ -2377,7 +2383,7 @@
           <a:p>
             <a:fld id="{09B03F73-A0FF-4140-8365-F3268484F61D}" type="datetimeFigureOut">
               <a:rPr lang="en-US" smtClean="0"/>
-              <a:t>3/7/2025</a:t>
+              <a:t>3/20/2025</a:t>
             </a:fld>
             <a:endParaRPr lang="en-US"/>
           </a:p>
@@ -2665,7 +2671,7 @@
           <a:p>
             <a:fld id="{09B03F73-A0FF-4140-8365-F3268484F61D}" type="datetimeFigureOut">
               <a:rPr lang="en-US" smtClean="0"/>
-              <a:t>3/7/2025</a:t>
+              <a:t>3/20/2025</a:t>
             </a:fld>
             <a:endParaRPr lang="en-US"/>
           </a:p>
@@ -2906,7 +2912,7 @@
           <a:p>
             <a:fld id="{09B03F73-A0FF-4140-8365-F3268484F61D}" type="datetimeFigureOut">
               <a:rPr lang="en-US" smtClean="0"/>
-              <a:t>3/7/2025</a:t>
+              <a:t>3/20/2025</a:t>
             </a:fld>
             <a:endParaRPr lang="en-US"/>
           </a:p>
@@ -3577,6 +3583,156 @@
 </file>
 
 <file path=ppt/slides/slide3.xml><?xml version="1.0" encoding="utf-8"?>
+<p:sld xmlns:a="http://schemas.openxmlformats.org/drawingml/2006/main" xmlns:r="http://schemas.openxmlformats.org/officeDocument/2006/relationships" xmlns:p="http://schemas.openxmlformats.org/presentationml/2006/main">
+  <p:cSld>
+    <p:spTree>
+      <p:nvGrpSpPr>
+        <p:cNvPr id="1" name=""/>
+        <p:cNvGrpSpPr/>
+        <p:nvPr/>
+      </p:nvGrpSpPr>
+      <p:grpSpPr>
+        <a:xfrm>
+          <a:off x="0" y="0"/>
+          <a:ext cx="0" cy="0"/>
+          <a:chOff x="0" y="0"/>
+          <a:chExt cx="0" cy="0"/>
+        </a:xfrm>
+      </p:grpSpPr>
+      <p:sp>
+        <p:nvSpPr>
+          <p:cNvPr id="2" name="Title 1">
+            <a:extLst>
+              <a:ext uri="{FF2B5EF4-FFF2-40B4-BE49-F238E27FC236}">
+                <a16:creationId xmlns:a16="http://schemas.microsoft.com/office/drawing/2014/main" id="{734B7C0F-D252-5793-E56D-4A8F3C11A2C3}"/>
+              </a:ext>
+            </a:extLst>
+          </p:cNvPr>
+          <p:cNvSpPr>
+            <a:spLocks noGrp="1"/>
+          </p:cNvSpPr>
+          <p:nvPr>
+            <p:ph type="title"/>
+          </p:nvPr>
+        </p:nvSpPr>
+        <p:spPr/>
+        <p:txBody>
+          <a:bodyPr/>
+          <a:lstStyle/>
+          <a:p>
+            <a:endParaRPr lang="en-US"/>
+          </a:p>
+        </p:txBody>
+      </p:sp>
+      <p:sp>
+        <p:nvSpPr>
+          <p:cNvPr id="3" name="Content Placeholder 2">
+            <a:extLst>
+              <a:ext uri="{FF2B5EF4-FFF2-40B4-BE49-F238E27FC236}">
+                <a16:creationId xmlns:a16="http://schemas.microsoft.com/office/drawing/2014/main" id="{A31E4399-3B3B-1EF4-E0A5-DE427F723C0C}"/>
+              </a:ext>
+            </a:extLst>
+          </p:cNvPr>
+          <p:cNvSpPr>
+            <a:spLocks noGrp="1"/>
+          </p:cNvSpPr>
+          <p:nvPr>
+            <p:ph idx="1"/>
+          </p:nvPr>
+        </p:nvSpPr>
+        <p:spPr/>
+        <p:txBody>
+          <a:bodyPr/>
+          <a:lstStyle/>
+          <a:p>
+            <a:endParaRPr lang="en-US" dirty="0"/>
+          </a:p>
+        </p:txBody>
+      </p:sp>
+      <p:pic>
+        <p:nvPicPr>
+          <p:cNvPr id="7" name="Picture 6">
+            <a:extLst>
+              <a:ext uri="{FF2B5EF4-FFF2-40B4-BE49-F238E27FC236}">
+                <a16:creationId xmlns:a16="http://schemas.microsoft.com/office/drawing/2014/main" id="{8DB87938-488D-D803-2310-26085C651569}"/>
+              </a:ext>
+            </a:extLst>
+          </p:cNvPr>
+          <p:cNvPicPr>
+            <a:picLocks noChangeAspect="1"/>
+          </p:cNvPicPr>
+          <p:nvPr/>
+        </p:nvPicPr>
+        <p:blipFill>
+          <a:blip r:embed="rId2"/>
+          <a:stretch>
+            <a:fillRect/>
+          </a:stretch>
+        </p:blipFill>
+        <p:spPr>
+          <a:xfrm>
+            <a:off x="0" y="794"/>
+            <a:ext cx="5334000" cy="4000500"/>
+          </a:xfrm>
+          <a:prstGeom prst="rect">
+            <a:avLst/>
+          </a:prstGeom>
+          <a:ln>
+            <a:solidFill>
+              <a:schemeClr val="accent1"/>
+            </a:solidFill>
+          </a:ln>
+        </p:spPr>
+      </p:pic>
+      <p:pic>
+        <p:nvPicPr>
+          <p:cNvPr id="9" name="Picture 8">
+            <a:extLst>
+              <a:ext uri="{FF2B5EF4-FFF2-40B4-BE49-F238E27FC236}">
+                <a16:creationId xmlns:a16="http://schemas.microsoft.com/office/drawing/2014/main" id="{0461832F-EE85-920B-EDF7-07634BDA0F61}"/>
+              </a:ext>
+            </a:extLst>
+          </p:cNvPr>
+          <p:cNvPicPr>
+            <a:picLocks noChangeAspect="1"/>
+          </p:cNvPicPr>
+          <p:nvPr/>
+        </p:nvPicPr>
+        <p:blipFill>
+          <a:blip r:embed="rId3"/>
+          <a:stretch>
+            <a:fillRect/>
+          </a:stretch>
+        </p:blipFill>
+        <p:spPr>
+          <a:xfrm>
+            <a:off x="5334000" y="0"/>
+            <a:ext cx="5334000" cy="4000500"/>
+          </a:xfrm>
+          <a:prstGeom prst="rect">
+            <a:avLst/>
+          </a:prstGeom>
+          <a:ln>
+            <a:solidFill>
+              <a:schemeClr val="accent1"/>
+            </a:solidFill>
+          </a:ln>
+        </p:spPr>
+      </p:pic>
+    </p:spTree>
+    <p:extLst>
+      <p:ext uri="{BB962C8B-B14F-4D97-AF65-F5344CB8AC3E}">
+        <p14:creationId xmlns:p14="http://schemas.microsoft.com/office/powerpoint/2010/main" val="838399671"/>
+      </p:ext>
+    </p:extLst>
+  </p:cSld>
+  <p:clrMapOvr>
+    <a:masterClrMapping/>
+  </p:clrMapOvr>
+</p:sld>
+</file>
+
+<file path=ppt/slides/slide4.xml><?xml version="1.0" encoding="utf-8"?>
 <p:sld xmlns:a="http://schemas.openxmlformats.org/drawingml/2006/main" xmlns:r="http://schemas.openxmlformats.org/officeDocument/2006/relationships" xmlns:p="http://schemas.openxmlformats.org/presentationml/2006/main">
   <p:cSld>
     <p:spTree>

--- a/images.pptx
+++ b/images.pptx
@@ -9,6 +9,10 @@
     <p:sldId id="257" r:id="rId3"/>
     <p:sldId id="259" r:id="rId4"/>
     <p:sldId id="258" r:id="rId5"/>
+    <p:sldId id="260" r:id="rId6"/>
+    <p:sldId id="261" r:id="rId7"/>
+    <p:sldId id="262" r:id="rId8"/>
+    <p:sldId id="263" r:id="rId9"/>
   </p:sldIdLst>
   <p:sldSz cx="12192000" cy="6858000"/>
   <p:notesSz cx="6858000" cy="9144000"/>
@@ -3624,31 +3628,6 @@
           </a:p>
         </p:txBody>
       </p:sp>
-      <p:sp>
-        <p:nvSpPr>
-          <p:cNvPr id="3" name="Content Placeholder 2">
-            <a:extLst>
-              <a:ext uri="{FF2B5EF4-FFF2-40B4-BE49-F238E27FC236}">
-                <a16:creationId xmlns:a16="http://schemas.microsoft.com/office/drawing/2014/main" id="{A31E4399-3B3B-1EF4-E0A5-DE427F723C0C}"/>
-              </a:ext>
-            </a:extLst>
-          </p:cNvPr>
-          <p:cNvSpPr>
-            <a:spLocks noGrp="1"/>
-          </p:cNvSpPr>
-          <p:nvPr>
-            <p:ph idx="1"/>
-          </p:nvPr>
-        </p:nvSpPr>
-        <p:spPr/>
-        <p:txBody>
-          <a:bodyPr/>
-          <a:lstStyle/>
-          <a:p>
-            <a:endParaRPr lang="en-US" dirty="0"/>
-          </a:p>
-        </p:txBody>
-      </p:sp>
       <p:pic>
         <p:nvPicPr>
           <p:cNvPr id="7" name="Picture 6">
@@ -3719,6 +3698,31 @@
           </a:ln>
         </p:spPr>
       </p:pic>
+      <p:sp>
+        <p:nvSpPr>
+          <p:cNvPr id="15" name="Content Placeholder 14">
+            <a:extLst>
+              <a:ext uri="{FF2B5EF4-FFF2-40B4-BE49-F238E27FC236}">
+                <a16:creationId xmlns:a16="http://schemas.microsoft.com/office/drawing/2014/main" id="{A4025BB8-8335-30EF-1CB7-18584FBA495C}"/>
+              </a:ext>
+            </a:extLst>
+          </p:cNvPr>
+          <p:cNvSpPr>
+            <a:spLocks noGrp="1"/>
+          </p:cNvSpPr>
+          <p:nvPr>
+            <p:ph idx="1"/>
+          </p:nvPr>
+        </p:nvSpPr>
+        <p:spPr/>
+        <p:txBody>
+          <a:bodyPr/>
+          <a:lstStyle/>
+          <a:p>
+            <a:endParaRPr lang="en-US"/>
+          </a:p>
+        </p:txBody>
+      </p:sp>
     </p:spTree>
     <p:extLst>
       <p:ext uri="{BB962C8B-B14F-4D97-AF65-F5344CB8AC3E}">
@@ -3873,6 +3877,566 @@
     <p:extLst>
       <p:ext uri="{BB962C8B-B14F-4D97-AF65-F5344CB8AC3E}">
         <p14:creationId xmlns:p14="http://schemas.microsoft.com/office/powerpoint/2010/main" val="770337798"/>
+      </p:ext>
+    </p:extLst>
+  </p:cSld>
+  <p:clrMapOvr>
+    <a:masterClrMapping/>
+  </p:clrMapOvr>
+</p:sld>
+</file>
+
+<file path=ppt/slides/slide5.xml><?xml version="1.0" encoding="utf-8"?>
+<p:sld xmlns:a="http://schemas.openxmlformats.org/drawingml/2006/main" xmlns:r="http://schemas.openxmlformats.org/officeDocument/2006/relationships" xmlns:p="http://schemas.openxmlformats.org/presentationml/2006/main">
+  <p:cSld>
+    <p:spTree>
+      <p:nvGrpSpPr>
+        <p:cNvPr id="1" name=""/>
+        <p:cNvGrpSpPr/>
+        <p:nvPr/>
+      </p:nvGrpSpPr>
+      <p:grpSpPr>
+        <a:xfrm>
+          <a:off x="0" y="0"/>
+          <a:ext cx="0" cy="0"/>
+          <a:chOff x="0" y="0"/>
+          <a:chExt cx="0" cy="0"/>
+        </a:xfrm>
+      </p:grpSpPr>
+      <p:sp>
+        <p:nvSpPr>
+          <p:cNvPr id="2" name="Title 1">
+            <a:extLst>
+              <a:ext uri="{FF2B5EF4-FFF2-40B4-BE49-F238E27FC236}">
+                <a16:creationId xmlns:a16="http://schemas.microsoft.com/office/drawing/2014/main" id="{34906086-9260-E398-760D-32FE69A06083}"/>
+              </a:ext>
+            </a:extLst>
+          </p:cNvPr>
+          <p:cNvSpPr>
+            <a:spLocks noGrp="1"/>
+          </p:cNvSpPr>
+          <p:nvPr>
+            <p:ph type="title"/>
+          </p:nvPr>
+        </p:nvSpPr>
+        <p:spPr/>
+        <p:txBody>
+          <a:bodyPr/>
+          <a:lstStyle/>
+          <a:p>
+            <a:endParaRPr lang="en-US" dirty="0"/>
+          </a:p>
+        </p:txBody>
+      </p:sp>
+      <p:sp>
+        <p:nvSpPr>
+          <p:cNvPr id="3" name="Content Placeholder 2">
+            <a:extLst>
+              <a:ext uri="{FF2B5EF4-FFF2-40B4-BE49-F238E27FC236}">
+                <a16:creationId xmlns:a16="http://schemas.microsoft.com/office/drawing/2014/main" id="{BDDF55DB-4701-94C9-7D20-05C265010E61}"/>
+              </a:ext>
+            </a:extLst>
+          </p:cNvPr>
+          <p:cNvSpPr>
+            <a:spLocks noGrp="1"/>
+          </p:cNvSpPr>
+          <p:nvPr>
+            <p:ph idx="1"/>
+          </p:nvPr>
+        </p:nvSpPr>
+        <p:spPr/>
+        <p:txBody>
+          <a:bodyPr/>
+          <a:lstStyle/>
+          <a:p>
+            <a:endParaRPr lang="en-US"/>
+          </a:p>
+        </p:txBody>
+      </p:sp>
+      <p:pic>
+        <p:nvPicPr>
+          <p:cNvPr id="13" name="Content Placeholder 12">
+            <a:extLst>
+              <a:ext uri="{FF2B5EF4-FFF2-40B4-BE49-F238E27FC236}">
+                <a16:creationId xmlns:a16="http://schemas.microsoft.com/office/drawing/2014/main" id="{70C9BE7C-ABF9-DFD3-7E7C-65CFF50F8BC7}"/>
+              </a:ext>
+            </a:extLst>
+          </p:cNvPr>
+          <p:cNvPicPr>
+            <a:picLocks noChangeAspect="1"/>
+          </p:cNvPicPr>
+          <p:nvPr/>
+        </p:nvPicPr>
+        <p:blipFill>
+          <a:blip r:embed="rId2"/>
+          <a:stretch>
+            <a:fillRect/>
+          </a:stretch>
+        </p:blipFill>
+        <p:spPr>
+          <a:xfrm>
+            <a:off x="0" y="0"/>
+            <a:ext cx="5334000" cy="4000500"/>
+          </a:xfrm>
+          <a:prstGeom prst="rect">
+            <a:avLst/>
+          </a:prstGeom>
+        </p:spPr>
+      </p:pic>
+    </p:spTree>
+    <p:extLst>
+      <p:ext uri="{BB962C8B-B14F-4D97-AF65-F5344CB8AC3E}">
+        <p14:creationId xmlns:p14="http://schemas.microsoft.com/office/powerpoint/2010/main" val="1581483017"/>
+      </p:ext>
+    </p:extLst>
+  </p:cSld>
+  <p:clrMapOvr>
+    <a:masterClrMapping/>
+  </p:clrMapOvr>
+</p:sld>
+</file>
+
+<file path=ppt/slides/slide6.xml><?xml version="1.0" encoding="utf-8"?>
+<p:sld xmlns:a="http://schemas.openxmlformats.org/drawingml/2006/main" xmlns:r="http://schemas.openxmlformats.org/officeDocument/2006/relationships" xmlns:p="http://schemas.openxmlformats.org/presentationml/2006/main">
+  <p:cSld>
+    <p:spTree>
+      <p:nvGrpSpPr>
+        <p:cNvPr id="1" name=""/>
+        <p:cNvGrpSpPr/>
+        <p:nvPr/>
+      </p:nvGrpSpPr>
+      <p:grpSpPr>
+        <a:xfrm>
+          <a:off x="0" y="0"/>
+          <a:ext cx="0" cy="0"/>
+          <a:chOff x="0" y="0"/>
+          <a:chExt cx="0" cy="0"/>
+        </a:xfrm>
+      </p:grpSpPr>
+      <p:sp>
+        <p:nvSpPr>
+          <p:cNvPr id="2" name="Title 1">
+            <a:extLst>
+              <a:ext uri="{FF2B5EF4-FFF2-40B4-BE49-F238E27FC236}">
+                <a16:creationId xmlns:a16="http://schemas.microsoft.com/office/drawing/2014/main" id="{2C24E2C7-E5EF-3E54-42A3-8A9312C46F9F}"/>
+              </a:ext>
+            </a:extLst>
+          </p:cNvPr>
+          <p:cNvSpPr>
+            <a:spLocks noGrp="1"/>
+          </p:cNvSpPr>
+          <p:nvPr>
+            <p:ph type="title"/>
+          </p:nvPr>
+        </p:nvSpPr>
+        <p:spPr/>
+        <p:txBody>
+          <a:bodyPr/>
+          <a:lstStyle/>
+          <a:p>
+            <a:endParaRPr lang="en-US" dirty="0"/>
+          </a:p>
+        </p:txBody>
+      </p:sp>
+      <p:sp>
+        <p:nvSpPr>
+          <p:cNvPr id="3" name="Content Placeholder 2">
+            <a:extLst>
+              <a:ext uri="{FF2B5EF4-FFF2-40B4-BE49-F238E27FC236}">
+                <a16:creationId xmlns:a16="http://schemas.microsoft.com/office/drawing/2014/main" id="{B16832E2-3049-F911-70E6-B0EF57E2A1CB}"/>
+              </a:ext>
+            </a:extLst>
+          </p:cNvPr>
+          <p:cNvSpPr>
+            <a:spLocks noGrp="1"/>
+          </p:cNvSpPr>
+          <p:nvPr>
+            <p:ph idx="1"/>
+          </p:nvPr>
+        </p:nvSpPr>
+        <p:spPr/>
+        <p:txBody>
+          <a:bodyPr/>
+          <a:lstStyle/>
+          <a:p>
+            <a:endParaRPr lang="en-US"/>
+          </a:p>
+        </p:txBody>
+      </p:sp>
+      <p:pic>
+        <p:nvPicPr>
+          <p:cNvPr id="5" name="Picture 4">
+            <a:extLst>
+              <a:ext uri="{FF2B5EF4-FFF2-40B4-BE49-F238E27FC236}">
+                <a16:creationId xmlns:a16="http://schemas.microsoft.com/office/drawing/2014/main" id="{4C8B82E5-749F-A4CB-0F24-ADEA2B09F802}"/>
+              </a:ext>
+            </a:extLst>
+          </p:cNvPr>
+          <p:cNvPicPr>
+            <a:picLocks noChangeAspect="1"/>
+          </p:cNvPicPr>
+          <p:nvPr/>
+        </p:nvPicPr>
+        <p:blipFill>
+          <a:blip r:embed="rId2"/>
+          <a:stretch>
+            <a:fillRect/>
+          </a:stretch>
+        </p:blipFill>
+        <p:spPr>
+          <a:xfrm>
+            <a:off x="0" y="794"/>
+            <a:ext cx="5334000" cy="4000500"/>
+          </a:xfrm>
+          <a:prstGeom prst="rect">
+            <a:avLst/>
+          </a:prstGeom>
+          <a:ln>
+            <a:solidFill>
+              <a:schemeClr val="accent1"/>
+            </a:solidFill>
+          </a:ln>
+        </p:spPr>
+      </p:pic>
+      <p:pic>
+        <p:nvPicPr>
+          <p:cNvPr id="7" name="Picture 6">
+            <a:extLst>
+              <a:ext uri="{FF2B5EF4-FFF2-40B4-BE49-F238E27FC236}">
+                <a16:creationId xmlns:a16="http://schemas.microsoft.com/office/drawing/2014/main" id="{BFF62DDC-8AC3-23F4-13F9-ED5052075FED}"/>
+              </a:ext>
+            </a:extLst>
+          </p:cNvPr>
+          <p:cNvPicPr>
+            <a:picLocks noChangeAspect="1"/>
+          </p:cNvPicPr>
+          <p:nvPr/>
+        </p:nvPicPr>
+        <p:blipFill>
+          <a:blip r:embed="rId3"/>
+          <a:stretch>
+            <a:fillRect/>
+          </a:stretch>
+        </p:blipFill>
+        <p:spPr>
+          <a:xfrm>
+            <a:off x="5334000" y="794"/>
+            <a:ext cx="5334000" cy="4000500"/>
+          </a:xfrm>
+          <a:prstGeom prst="rect">
+            <a:avLst/>
+          </a:prstGeom>
+          <a:ln>
+            <a:solidFill>
+              <a:schemeClr val="accent1"/>
+            </a:solidFill>
+          </a:ln>
+        </p:spPr>
+      </p:pic>
+    </p:spTree>
+    <p:extLst>
+      <p:ext uri="{BB962C8B-B14F-4D97-AF65-F5344CB8AC3E}">
+        <p14:creationId xmlns:p14="http://schemas.microsoft.com/office/powerpoint/2010/main" val="1028673854"/>
+      </p:ext>
+    </p:extLst>
+  </p:cSld>
+  <p:clrMapOvr>
+    <a:masterClrMapping/>
+  </p:clrMapOvr>
+</p:sld>
+</file>
+
+<file path=ppt/slides/slide7.xml><?xml version="1.0" encoding="utf-8"?>
+<p:sld xmlns:a="http://schemas.openxmlformats.org/drawingml/2006/main" xmlns:r="http://schemas.openxmlformats.org/officeDocument/2006/relationships" xmlns:p="http://schemas.openxmlformats.org/presentationml/2006/main">
+  <p:cSld>
+    <p:spTree>
+      <p:nvGrpSpPr>
+        <p:cNvPr id="1" name=""/>
+        <p:cNvGrpSpPr/>
+        <p:nvPr/>
+      </p:nvGrpSpPr>
+      <p:grpSpPr>
+        <a:xfrm>
+          <a:off x="0" y="0"/>
+          <a:ext cx="0" cy="0"/>
+          <a:chOff x="0" y="0"/>
+          <a:chExt cx="0" cy="0"/>
+        </a:xfrm>
+      </p:grpSpPr>
+      <p:sp>
+        <p:nvSpPr>
+          <p:cNvPr id="2" name="Title 1">
+            <a:extLst>
+              <a:ext uri="{FF2B5EF4-FFF2-40B4-BE49-F238E27FC236}">
+                <a16:creationId xmlns:a16="http://schemas.microsoft.com/office/drawing/2014/main" id="{26E139AC-B768-ED9F-461C-39386F4C8866}"/>
+              </a:ext>
+            </a:extLst>
+          </p:cNvPr>
+          <p:cNvSpPr>
+            <a:spLocks noGrp="1"/>
+          </p:cNvSpPr>
+          <p:nvPr>
+            <p:ph type="title"/>
+          </p:nvPr>
+        </p:nvSpPr>
+        <p:spPr/>
+        <p:txBody>
+          <a:bodyPr/>
+          <a:lstStyle/>
+          <a:p>
+            <a:endParaRPr lang="en-US"/>
+          </a:p>
+        </p:txBody>
+      </p:sp>
+      <p:sp>
+        <p:nvSpPr>
+          <p:cNvPr id="3" name="Content Placeholder 2">
+            <a:extLst>
+              <a:ext uri="{FF2B5EF4-FFF2-40B4-BE49-F238E27FC236}">
+                <a16:creationId xmlns:a16="http://schemas.microsoft.com/office/drawing/2014/main" id="{9097270B-78E6-78A4-0520-BF5F31AA852A}"/>
+              </a:ext>
+            </a:extLst>
+          </p:cNvPr>
+          <p:cNvSpPr>
+            <a:spLocks noGrp="1"/>
+          </p:cNvSpPr>
+          <p:nvPr>
+            <p:ph idx="1"/>
+          </p:nvPr>
+        </p:nvSpPr>
+        <p:spPr/>
+        <p:txBody>
+          <a:bodyPr/>
+          <a:lstStyle/>
+          <a:p>
+            <a:endParaRPr lang="en-US"/>
+          </a:p>
+        </p:txBody>
+      </p:sp>
+      <p:pic>
+        <p:nvPicPr>
+          <p:cNvPr id="5" name="Picture 4">
+            <a:extLst>
+              <a:ext uri="{FF2B5EF4-FFF2-40B4-BE49-F238E27FC236}">
+                <a16:creationId xmlns:a16="http://schemas.microsoft.com/office/drawing/2014/main" id="{A0B165B3-9A29-5F82-BCBD-E7CF4D303618}"/>
+              </a:ext>
+            </a:extLst>
+          </p:cNvPr>
+          <p:cNvPicPr>
+            <a:picLocks noChangeAspect="1"/>
+          </p:cNvPicPr>
+          <p:nvPr/>
+        </p:nvPicPr>
+        <p:blipFill>
+          <a:blip r:embed="rId2"/>
+          <a:stretch>
+            <a:fillRect/>
+          </a:stretch>
+        </p:blipFill>
+        <p:spPr>
+          <a:xfrm>
+            <a:off x="5334000" y="794"/>
+            <a:ext cx="5334000" cy="4000500"/>
+          </a:xfrm>
+          <a:prstGeom prst="rect">
+            <a:avLst/>
+          </a:prstGeom>
+          <a:ln>
+            <a:solidFill>
+              <a:schemeClr val="accent1"/>
+            </a:solidFill>
+          </a:ln>
+        </p:spPr>
+      </p:pic>
+      <p:pic>
+        <p:nvPicPr>
+          <p:cNvPr id="9" name="Picture 8">
+            <a:extLst>
+              <a:ext uri="{FF2B5EF4-FFF2-40B4-BE49-F238E27FC236}">
+                <a16:creationId xmlns:a16="http://schemas.microsoft.com/office/drawing/2014/main" id="{CC435CA3-602E-FA1E-B186-D7F9C6DCF155}"/>
+              </a:ext>
+            </a:extLst>
+          </p:cNvPr>
+          <p:cNvPicPr>
+            <a:picLocks noChangeAspect="1"/>
+          </p:cNvPicPr>
+          <p:nvPr/>
+        </p:nvPicPr>
+        <p:blipFill>
+          <a:blip r:embed="rId3"/>
+          <a:stretch>
+            <a:fillRect/>
+          </a:stretch>
+        </p:blipFill>
+        <p:spPr>
+          <a:xfrm>
+            <a:off x="0" y="794"/>
+            <a:ext cx="5334000" cy="4000500"/>
+          </a:xfrm>
+          <a:prstGeom prst="rect">
+            <a:avLst/>
+          </a:prstGeom>
+          <a:ln>
+            <a:solidFill>
+              <a:schemeClr val="accent1"/>
+            </a:solidFill>
+          </a:ln>
+        </p:spPr>
+      </p:pic>
+    </p:spTree>
+    <p:extLst>
+      <p:ext uri="{BB962C8B-B14F-4D97-AF65-F5344CB8AC3E}">
+        <p14:creationId xmlns:p14="http://schemas.microsoft.com/office/powerpoint/2010/main" val="1330575782"/>
+      </p:ext>
+    </p:extLst>
+  </p:cSld>
+  <p:clrMapOvr>
+    <a:masterClrMapping/>
+  </p:clrMapOvr>
+</p:sld>
+</file>
+
+<file path=ppt/slides/slide8.xml><?xml version="1.0" encoding="utf-8"?>
+<p:sld xmlns:a="http://schemas.openxmlformats.org/drawingml/2006/main" xmlns:r="http://schemas.openxmlformats.org/officeDocument/2006/relationships" xmlns:p="http://schemas.openxmlformats.org/presentationml/2006/main">
+  <p:cSld>
+    <p:spTree>
+      <p:nvGrpSpPr>
+        <p:cNvPr id="1" name=""/>
+        <p:cNvGrpSpPr/>
+        <p:nvPr/>
+      </p:nvGrpSpPr>
+      <p:grpSpPr>
+        <a:xfrm>
+          <a:off x="0" y="0"/>
+          <a:ext cx="0" cy="0"/>
+          <a:chOff x="0" y="0"/>
+          <a:chExt cx="0" cy="0"/>
+        </a:xfrm>
+      </p:grpSpPr>
+      <p:sp>
+        <p:nvSpPr>
+          <p:cNvPr id="2" name="Title 1">
+            <a:extLst>
+              <a:ext uri="{FF2B5EF4-FFF2-40B4-BE49-F238E27FC236}">
+                <a16:creationId xmlns:a16="http://schemas.microsoft.com/office/drawing/2014/main" id="{D5189105-B83D-AC64-0063-2FA1B66976E2}"/>
+              </a:ext>
+            </a:extLst>
+          </p:cNvPr>
+          <p:cNvSpPr>
+            <a:spLocks noGrp="1"/>
+          </p:cNvSpPr>
+          <p:nvPr>
+            <p:ph type="title"/>
+          </p:nvPr>
+        </p:nvSpPr>
+        <p:spPr/>
+        <p:txBody>
+          <a:bodyPr/>
+          <a:lstStyle/>
+          <a:p>
+            <a:endParaRPr lang="en-US"/>
+          </a:p>
+        </p:txBody>
+      </p:sp>
+      <p:sp>
+        <p:nvSpPr>
+          <p:cNvPr id="3" name="Content Placeholder 2">
+            <a:extLst>
+              <a:ext uri="{FF2B5EF4-FFF2-40B4-BE49-F238E27FC236}">
+                <a16:creationId xmlns:a16="http://schemas.microsoft.com/office/drawing/2014/main" id="{D6FD5996-E2B6-0D08-331A-8F727CA07ECA}"/>
+              </a:ext>
+            </a:extLst>
+          </p:cNvPr>
+          <p:cNvSpPr>
+            <a:spLocks noGrp="1"/>
+          </p:cNvSpPr>
+          <p:nvPr>
+            <p:ph idx="1"/>
+          </p:nvPr>
+        </p:nvSpPr>
+        <p:spPr/>
+        <p:txBody>
+          <a:bodyPr/>
+          <a:lstStyle/>
+          <a:p>
+            <a:endParaRPr lang="en-US"/>
+          </a:p>
+        </p:txBody>
+      </p:sp>
+      <p:pic>
+        <p:nvPicPr>
+          <p:cNvPr id="11" name="Picture 10">
+            <a:extLst>
+              <a:ext uri="{FF2B5EF4-FFF2-40B4-BE49-F238E27FC236}">
+                <a16:creationId xmlns:a16="http://schemas.microsoft.com/office/drawing/2014/main" id="{A7C05E16-D7BF-523B-E442-4F2C57F584C9}"/>
+              </a:ext>
+            </a:extLst>
+          </p:cNvPr>
+          <p:cNvPicPr>
+            <a:picLocks noChangeAspect="1"/>
+          </p:cNvPicPr>
+          <p:nvPr/>
+        </p:nvPicPr>
+        <p:blipFill>
+          <a:blip r:embed="rId2"/>
+          <a:stretch>
+            <a:fillRect/>
+          </a:stretch>
+        </p:blipFill>
+        <p:spPr>
+          <a:xfrm>
+            <a:off x="5334000" y="18130"/>
+            <a:ext cx="5334000" cy="4000500"/>
+          </a:xfrm>
+          <a:prstGeom prst="rect">
+            <a:avLst/>
+          </a:prstGeom>
+          <a:ln>
+            <a:solidFill>
+              <a:schemeClr val="accent1"/>
+            </a:solidFill>
+          </a:ln>
+        </p:spPr>
+      </p:pic>
+      <p:pic>
+        <p:nvPicPr>
+          <p:cNvPr id="13" name="Picture 12">
+            <a:extLst>
+              <a:ext uri="{FF2B5EF4-FFF2-40B4-BE49-F238E27FC236}">
+                <a16:creationId xmlns:a16="http://schemas.microsoft.com/office/drawing/2014/main" id="{C1775EE8-E3FA-086C-658E-93D3F60587FA}"/>
+              </a:ext>
+            </a:extLst>
+          </p:cNvPr>
+          <p:cNvPicPr>
+            <a:picLocks noChangeAspect="1"/>
+          </p:cNvPicPr>
+          <p:nvPr/>
+        </p:nvPicPr>
+        <p:blipFill>
+          <a:blip r:embed="rId3"/>
+          <a:stretch>
+            <a:fillRect/>
+          </a:stretch>
+        </p:blipFill>
+        <p:spPr>
+          <a:xfrm>
+            <a:off x="0" y="18130"/>
+            <a:ext cx="5334000" cy="4000500"/>
+          </a:xfrm>
+          <a:prstGeom prst="rect">
+            <a:avLst/>
+          </a:prstGeom>
+          <a:ln>
+            <a:solidFill>
+              <a:schemeClr val="accent1"/>
+            </a:solidFill>
+          </a:ln>
+        </p:spPr>
+      </p:pic>
+    </p:spTree>
+    <p:extLst>
+      <p:ext uri="{BB962C8B-B14F-4D97-AF65-F5344CB8AC3E}">
+        <p14:creationId xmlns:p14="http://schemas.microsoft.com/office/powerpoint/2010/main" val="3653468293"/>
       </p:ext>
     </p:extLst>
   </p:cSld>

--- a/images.pptx
+++ b/images.pptx
@@ -13,6 +13,10 @@
     <p:sldId id="261" r:id="rId7"/>
     <p:sldId id="262" r:id="rId8"/>
     <p:sldId id="263" r:id="rId9"/>
+    <p:sldId id="264" r:id="rId10"/>
+    <p:sldId id="265" r:id="rId11"/>
+    <p:sldId id="266" r:id="rId12"/>
+    <p:sldId id="267" r:id="rId13"/>
   </p:sldIdLst>
   <p:sldSz cx="12192000" cy="6858000"/>
   <p:notesSz cx="6858000" cy="9144000"/>
@@ -266,7 +270,7 @@
           <a:p>
             <a:fld id="{09B03F73-A0FF-4140-8365-F3268484F61D}" type="datetimeFigureOut">
               <a:rPr lang="en-US" smtClean="0"/>
-              <a:t>3/20/2025</a:t>
+              <a:t>3/24/2025</a:t>
             </a:fld>
             <a:endParaRPr lang="en-US"/>
           </a:p>
@@ -464,7 +468,7 @@
           <a:p>
             <a:fld id="{09B03F73-A0FF-4140-8365-F3268484F61D}" type="datetimeFigureOut">
               <a:rPr lang="en-US" smtClean="0"/>
-              <a:t>3/20/2025</a:t>
+              <a:t>3/24/2025</a:t>
             </a:fld>
             <a:endParaRPr lang="en-US"/>
           </a:p>
@@ -672,7 +676,7 @@
           <a:p>
             <a:fld id="{09B03F73-A0FF-4140-8365-F3268484F61D}" type="datetimeFigureOut">
               <a:rPr lang="en-US" smtClean="0"/>
-              <a:t>3/20/2025</a:t>
+              <a:t>3/24/2025</a:t>
             </a:fld>
             <a:endParaRPr lang="en-US"/>
           </a:p>
@@ -870,7 +874,7 @@
           <a:p>
             <a:fld id="{09B03F73-A0FF-4140-8365-F3268484F61D}" type="datetimeFigureOut">
               <a:rPr lang="en-US" smtClean="0"/>
-              <a:t>3/20/2025</a:t>
+              <a:t>3/24/2025</a:t>
             </a:fld>
             <a:endParaRPr lang="en-US"/>
           </a:p>
@@ -1145,7 +1149,7 @@
           <a:p>
             <a:fld id="{09B03F73-A0FF-4140-8365-F3268484F61D}" type="datetimeFigureOut">
               <a:rPr lang="en-US" smtClean="0"/>
-              <a:t>3/20/2025</a:t>
+              <a:t>3/24/2025</a:t>
             </a:fld>
             <a:endParaRPr lang="en-US"/>
           </a:p>
@@ -1410,7 +1414,7 @@
           <a:p>
             <a:fld id="{09B03F73-A0FF-4140-8365-F3268484F61D}" type="datetimeFigureOut">
               <a:rPr lang="en-US" smtClean="0"/>
-              <a:t>3/20/2025</a:t>
+              <a:t>3/24/2025</a:t>
             </a:fld>
             <a:endParaRPr lang="en-US"/>
           </a:p>
@@ -1822,7 +1826,7 @@
           <a:p>
             <a:fld id="{09B03F73-A0FF-4140-8365-F3268484F61D}" type="datetimeFigureOut">
               <a:rPr lang="en-US" smtClean="0"/>
-              <a:t>3/20/2025</a:t>
+              <a:t>3/24/2025</a:t>
             </a:fld>
             <a:endParaRPr lang="en-US"/>
           </a:p>
@@ -1963,7 +1967,7 @@
           <a:p>
             <a:fld id="{09B03F73-A0FF-4140-8365-F3268484F61D}" type="datetimeFigureOut">
               <a:rPr lang="en-US" smtClean="0"/>
-              <a:t>3/20/2025</a:t>
+              <a:t>3/24/2025</a:t>
             </a:fld>
             <a:endParaRPr lang="en-US"/>
           </a:p>
@@ -2076,7 +2080,7 @@
           <a:p>
             <a:fld id="{09B03F73-A0FF-4140-8365-F3268484F61D}" type="datetimeFigureOut">
               <a:rPr lang="en-US" smtClean="0"/>
-              <a:t>3/20/2025</a:t>
+              <a:t>3/24/2025</a:t>
             </a:fld>
             <a:endParaRPr lang="en-US"/>
           </a:p>
@@ -2387,7 +2391,7 @@
           <a:p>
             <a:fld id="{09B03F73-A0FF-4140-8365-F3268484F61D}" type="datetimeFigureOut">
               <a:rPr lang="en-US" smtClean="0"/>
-              <a:t>3/20/2025</a:t>
+              <a:t>3/24/2025</a:t>
             </a:fld>
             <a:endParaRPr lang="en-US"/>
           </a:p>
@@ -2675,7 +2679,7 @@
           <a:p>
             <a:fld id="{09B03F73-A0FF-4140-8365-F3268484F61D}" type="datetimeFigureOut">
               <a:rPr lang="en-US" smtClean="0"/>
-              <a:t>3/20/2025</a:t>
+              <a:t>3/24/2025</a:t>
             </a:fld>
             <a:endParaRPr lang="en-US"/>
           </a:p>
@@ -2916,7 +2920,7 @@
           <a:p>
             <a:fld id="{09B03F73-A0FF-4140-8365-F3268484F61D}" type="datetimeFigureOut">
               <a:rPr lang="en-US" smtClean="0"/>
-              <a:t>3/20/2025</a:t>
+              <a:t>3/24/2025</a:t>
             </a:fld>
             <a:endParaRPr lang="en-US"/>
           </a:p>
@@ -3486,6 +3490,456 @@
 </p:sld>
 </file>
 
+<file path=ppt/slides/slide10.xml><?xml version="1.0" encoding="utf-8"?>
+<p:sld xmlns:a="http://schemas.openxmlformats.org/drawingml/2006/main" xmlns:r="http://schemas.openxmlformats.org/officeDocument/2006/relationships" xmlns:p="http://schemas.openxmlformats.org/presentationml/2006/main">
+  <p:cSld>
+    <p:spTree>
+      <p:nvGrpSpPr>
+        <p:cNvPr id="1" name=""/>
+        <p:cNvGrpSpPr/>
+        <p:nvPr/>
+      </p:nvGrpSpPr>
+      <p:grpSpPr>
+        <a:xfrm>
+          <a:off x="0" y="0"/>
+          <a:ext cx="0" cy="0"/>
+          <a:chOff x="0" y="0"/>
+          <a:chExt cx="0" cy="0"/>
+        </a:xfrm>
+      </p:grpSpPr>
+      <p:sp>
+        <p:nvSpPr>
+          <p:cNvPr id="2" name="Title 1">
+            <a:extLst>
+              <a:ext uri="{FF2B5EF4-FFF2-40B4-BE49-F238E27FC236}">
+                <a16:creationId xmlns:a16="http://schemas.microsoft.com/office/drawing/2014/main" id="{570BE5BB-1D63-D356-79CA-CC37CEB65955}"/>
+              </a:ext>
+            </a:extLst>
+          </p:cNvPr>
+          <p:cNvSpPr>
+            <a:spLocks noGrp="1"/>
+          </p:cNvSpPr>
+          <p:nvPr>
+            <p:ph type="title"/>
+          </p:nvPr>
+        </p:nvSpPr>
+        <p:spPr/>
+        <p:txBody>
+          <a:bodyPr/>
+          <a:lstStyle/>
+          <a:p>
+            <a:endParaRPr lang="en-US"/>
+          </a:p>
+        </p:txBody>
+      </p:sp>
+      <p:sp>
+        <p:nvSpPr>
+          <p:cNvPr id="3" name="Content Placeholder 2">
+            <a:extLst>
+              <a:ext uri="{FF2B5EF4-FFF2-40B4-BE49-F238E27FC236}">
+                <a16:creationId xmlns:a16="http://schemas.microsoft.com/office/drawing/2014/main" id="{30F74797-7F99-64C7-A218-AE8F79A37479}"/>
+              </a:ext>
+            </a:extLst>
+          </p:cNvPr>
+          <p:cNvSpPr>
+            <a:spLocks noGrp="1"/>
+          </p:cNvSpPr>
+          <p:nvPr>
+            <p:ph idx="1"/>
+          </p:nvPr>
+        </p:nvSpPr>
+        <p:spPr/>
+        <p:txBody>
+          <a:bodyPr/>
+          <a:lstStyle/>
+          <a:p>
+            <a:endParaRPr lang="en-US"/>
+          </a:p>
+        </p:txBody>
+      </p:sp>
+      <p:pic>
+        <p:nvPicPr>
+          <p:cNvPr id="5" name="Picture 4">
+            <a:extLst>
+              <a:ext uri="{FF2B5EF4-FFF2-40B4-BE49-F238E27FC236}">
+                <a16:creationId xmlns:a16="http://schemas.microsoft.com/office/drawing/2014/main" id="{9B27B7F1-B688-43D5-FE75-4C7209057028}"/>
+              </a:ext>
+            </a:extLst>
+          </p:cNvPr>
+          <p:cNvPicPr>
+            <a:picLocks noChangeAspect="1"/>
+          </p:cNvPicPr>
+          <p:nvPr/>
+        </p:nvPicPr>
+        <p:blipFill>
+          <a:blip r:embed="rId2"/>
+          <a:stretch>
+            <a:fillRect/>
+          </a:stretch>
+        </p:blipFill>
+        <p:spPr>
+          <a:xfrm>
+            <a:off x="0" y="794"/>
+            <a:ext cx="5334000" cy="4000500"/>
+          </a:xfrm>
+          <a:prstGeom prst="rect">
+            <a:avLst/>
+          </a:prstGeom>
+          <a:ln>
+            <a:solidFill>
+              <a:schemeClr val="accent1"/>
+            </a:solidFill>
+          </a:ln>
+        </p:spPr>
+      </p:pic>
+      <p:pic>
+        <p:nvPicPr>
+          <p:cNvPr id="7" name="Picture 6">
+            <a:extLst>
+              <a:ext uri="{FF2B5EF4-FFF2-40B4-BE49-F238E27FC236}">
+                <a16:creationId xmlns:a16="http://schemas.microsoft.com/office/drawing/2014/main" id="{71BF0EBA-9587-A938-BED4-116B16C3C045}"/>
+              </a:ext>
+            </a:extLst>
+          </p:cNvPr>
+          <p:cNvPicPr>
+            <a:picLocks noChangeAspect="1"/>
+          </p:cNvPicPr>
+          <p:nvPr/>
+        </p:nvPicPr>
+        <p:blipFill>
+          <a:blip r:embed="rId3"/>
+          <a:stretch>
+            <a:fillRect/>
+          </a:stretch>
+        </p:blipFill>
+        <p:spPr>
+          <a:xfrm>
+            <a:off x="5334000" y="794"/>
+            <a:ext cx="5334000" cy="4000500"/>
+          </a:xfrm>
+          <a:prstGeom prst="rect">
+            <a:avLst/>
+          </a:prstGeom>
+          <a:ln>
+            <a:solidFill>
+              <a:schemeClr val="accent1"/>
+            </a:solidFill>
+          </a:ln>
+        </p:spPr>
+      </p:pic>
+    </p:spTree>
+    <p:extLst>
+      <p:ext uri="{BB962C8B-B14F-4D97-AF65-F5344CB8AC3E}">
+        <p14:creationId xmlns:p14="http://schemas.microsoft.com/office/powerpoint/2010/main" val="1069734121"/>
+      </p:ext>
+    </p:extLst>
+  </p:cSld>
+  <p:clrMapOvr>
+    <a:masterClrMapping/>
+  </p:clrMapOvr>
+</p:sld>
+</file>
+
+<file path=ppt/slides/slide11.xml><?xml version="1.0" encoding="utf-8"?>
+<p:sld xmlns:a="http://schemas.openxmlformats.org/drawingml/2006/main" xmlns:r="http://schemas.openxmlformats.org/officeDocument/2006/relationships" xmlns:p="http://schemas.openxmlformats.org/presentationml/2006/main">
+  <p:cSld>
+    <p:spTree>
+      <p:nvGrpSpPr>
+        <p:cNvPr id="1" name=""/>
+        <p:cNvGrpSpPr/>
+        <p:nvPr/>
+      </p:nvGrpSpPr>
+      <p:grpSpPr>
+        <a:xfrm>
+          <a:off x="0" y="0"/>
+          <a:ext cx="0" cy="0"/>
+          <a:chOff x="0" y="0"/>
+          <a:chExt cx="0" cy="0"/>
+        </a:xfrm>
+      </p:grpSpPr>
+      <p:sp>
+        <p:nvSpPr>
+          <p:cNvPr id="2" name="Title 1">
+            <a:extLst>
+              <a:ext uri="{FF2B5EF4-FFF2-40B4-BE49-F238E27FC236}">
+                <a16:creationId xmlns:a16="http://schemas.microsoft.com/office/drawing/2014/main" id="{BBE3521C-620E-EFAD-C6C3-8F2773141C5F}"/>
+              </a:ext>
+            </a:extLst>
+          </p:cNvPr>
+          <p:cNvSpPr>
+            <a:spLocks noGrp="1"/>
+          </p:cNvSpPr>
+          <p:nvPr>
+            <p:ph type="title"/>
+          </p:nvPr>
+        </p:nvSpPr>
+        <p:spPr/>
+        <p:txBody>
+          <a:bodyPr/>
+          <a:lstStyle/>
+          <a:p>
+            <a:endParaRPr lang="en-US"/>
+          </a:p>
+        </p:txBody>
+      </p:sp>
+      <p:sp>
+        <p:nvSpPr>
+          <p:cNvPr id="3" name="Content Placeholder 2">
+            <a:extLst>
+              <a:ext uri="{FF2B5EF4-FFF2-40B4-BE49-F238E27FC236}">
+                <a16:creationId xmlns:a16="http://schemas.microsoft.com/office/drawing/2014/main" id="{7A25E63D-7FE3-7A89-A480-582B29380EE2}"/>
+              </a:ext>
+            </a:extLst>
+          </p:cNvPr>
+          <p:cNvSpPr>
+            <a:spLocks noGrp="1"/>
+          </p:cNvSpPr>
+          <p:nvPr>
+            <p:ph idx="1"/>
+          </p:nvPr>
+        </p:nvSpPr>
+        <p:spPr/>
+        <p:txBody>
+          <a:bodyPr/>
+          <a:lstStyle/>
+          <a:p>
+            <a:endParaRPr lang="en-US"/>
+          </a:p>
+        </p:txBody>
+      </p:sp>
+      <p:pic>
+        <p:nvPicPr>
+          <p:cNvPr id="5" name="Picture 4">
+            <a:extLst>
+              <a:ext uri="{FF2B5EF4-FFF2-40B4-BE49-F238E27FC236}">
+                <a16:creationId xmlns:a16="http://schemas.microsoft.com/office/drawing/2014/main" id="{89FBB943-491D-B971-9FAB-68FC1E25C63E}"/>
+              </a:ext>
+            </a:extLst>
+          </p:cNvPr>
+          <p:cNvPicPr>
+            <a:picLocks noChangeAspect="1"/>
+          </p:cNvPicPr>
+          <p:nvPr/>
+        </p:nvPicPr>
+        <p:blipFill>
+          <a:blip r:embed="rId2"/>
+          <a:stretch>
+            <a:fillRect/>
+          </a:stretch>
+        </p:blipFill>
+        <p:spPr>
+          <a:xfrm>
+            <a:off x="0" y="794"/>
+            <a:ext cx="5334000" cy="4000500"/>
+          </a:xfrm>
+          <a:prstGeom prst="rect">
+            <a:avLst/>
+          </a:prstGeom>
+          <a:ln>
+            <a:solidFill>
+              <a:schemeClr val="accent1"/>
+            </a:solidFill>
+          </a:ln>
+        </p:spPr>
+      </p:pic>
+      <p:pic>
+        <p:nvPicPr>
+          <p:cNvPr id="7" name="Picture 6">
+            <a:extLst>
+              <a:ext uri="{FF2B5EF4-FFF2-40B4-BE49-F238E27FC236}">
+                <a16:creationId xmlns:a16="http://schemas.microsoft.com/office/drawing/2014/main" id="{36945AFA-0FF4-E3B7-3935-6B663BEB0BC5}"/>
+              </a:ext>
+            </a:extLst>
+          </p:cNvPr>
+          <p:cNvPicPr>
+            <a:picLocks noChangeAspect="1"/>
+          </p:cNvPicPr>
+          <p:nvPr/>
+        </p:nvPicPr>
+        <p:blipFill>
+          <a:blip r:embed="rId3"/>
+          <a:stretch>
+            <a:fillRect/>
+          </a:stretch>
+        </p:blipFill>
+        <p:spPr>
+          <a:xfrm>
+            <a:off x="5334000" y="794"/>
+            <a:ext cx="5334000" cy="4000500"/>
+          </a:xfrm>
+          <a:prstGeom prst="rect">
+            <a:avLst/>
+          </a:prstGeom>
+          <a:ln>
+            <a:solidFill>
+              <a:schemeClr val="accent1"/>
+            </a:solidFill>
+          </a:ln>
+        </p:spPr>
+      </p:pic>
+    </p:spTree>
+    <p:extLst>
+      <p:ext uri="{BB962C8B-B14F-4D97-AF65-F5344CB8AC3E}">
+        <p14:creationId xmlns:p14="http://schemas.microsoft.com/office/powerpoint/2010/main" val="983976558"/>
+      </p:ext>
+    </p:extLst>
+  </p:cSld>
+  <p:clrMapOvr>
+    <a:masterClrMapping/>
+  </p:clrMapOvr>
+</p:sld>
+</file>
+
+<file path=ppt/slides/slide12.xml><?xml version="1.0" encoding="utf-8"?>
+<p:sld xmlns:a="http://schemas.openxmlformats.org/drawingml/2006/main" xmlns:r="http://schemas.openxmlformats.org/officeDocument/2006/relationships" xmlns:p="http://schemas.openxmlformats.org/presentationml/2006/main">
+  <p:cSld>
+    <p:spTree>
+      <p:nvGrpSpPr>
+        <p:cNvPr id="1" name=""/>
+        <p:cNvGrpSpPr/>
+        <p:nvPr/>
+      </p:nvGrpSpPr>
+      <p:grpSpPr>
+        <a:xfrm>
+          <a:off x="0" y="0"/>
+          <a:ext cx="0" cy="0"/>
+          <a:chOff x="0" y="0"/>
+          <a:chExt cx="0" cy="0"/>
+        </a:xfrm>
+      </p:grpSpPr>
+      <p:sp>
+        <p:nvSpPr>
+          <p:cNvPr id="2" name="Title 1">
+            <a:extLst>
+              <a:ext uri="{FF2B5EF4-FFF2-40B4-BE49-F238E27FC236}">
+                <a16:creationId xmlns:a16="http://schemas.microsoft.com/office/drawing/2014/main" id="{E064A64C-08BA-543D-4EA1-FE020DF73BF7}"/>
+              </a:ext>
+            </a:extLst>
+          </p:cNvPr>
+          <p:cNvSpPr>
+            <a:spLocks noGrp="1"/>
+          </p:cNvSpPr>
+          <p:nvPr>
+            <p:ph type="title"/>
+          </p:nvPr>
+        </p:nvSpPr>
+        <p:spPr/>
+        <p:txBody>
+          <a:bodyPr/>
+          <a:lstStyle/>
+          <a:p>
+            <a:endParaRPr lang="en-US"/>
+          </a:p>
+        </p:txBody>
+      </p:sp>
+      <p:sp>
+        <p:nvSpPr>
+          <p:cNvPr id="3" name="Content Placeholder 2">
+            <a:extLst>
+              <a:ext uri="{FF2B5EF4-FFF2-40B4-BE49-F238E27FC236}">
+                <a16:creationId xmlns:a16="http://schemas.microsoft.com/office/drawing/2014/main" id="{A680562B-C6A4-3EEE-3DB2-CC197D942257}"/>
+              </a:ext>
+            </a:extLst>
+          </p:cNvPr>
+          <p:cNvSpPr>
+            <a:spLocks noGrp="1"/>
+          </p:cNvSpPr>
+          <p:nvPr>
+            <p:ph idx="1"/>
+          </p:nvPr>
+        </p:nvSpPr>
+        <p:spPr/>
+        <p:txBody>
+          <a:bodyPr/>
+          <a:lstStyle/>
+          <a:p>
+            <a:endParaRPr lang="en-US"/>
+          </a:p>
+        </p:txBody>
+      </p:sp>
+      <p:pic>
+        <p:nvPicPr>
+          <p:cNvPr id="5" name="Picture 4">
+            <a:extLst>
+              <a:ext uri="{FF2B5EF4-FFF2-40B4-BE49-F238E27FC236}">
+                <a16:creationId xmlns:a16="http://schemas.microsoft.com/office/drawing/2014/main" id="{ABF00897-F47B-5071-ACD4-7E55EB9B8786}"/>
+              </a:ext>
+            </a:extLst>
+          </p:cNvPr>
+          <p:cNvPicPr>
+            <a:picLocks noChangeAspect="1"/>
+          </p:cNvPicPr>
+          <p:nvPr/>
+        </p:nvPicPr>
+        <p:blipFill>
+          <a:blip r:embed="rId2"/>
+          <a:stretch>
+            <a:fillRect/>
+          </a:stretch>
+        </p:blipFill>
+        <p:spPr>
+          <a:xfrm>
+            <a:off x="5334000" y="794"/>
+            <a:ext cx="5334000" cy="4000500"/>
+          </a:xfrm>
+          <a:prstGeom prst="rect">
+            <a:avLst/>
+          </a:prstGeom>
+          <a:ln>
+            <a:solidFill>
+              <a:schemeClr val="accent1"/>
+            </a:solidFill>
+          </a:ln>
+        </p:spPr>
+      </p:pic>
+      <p:pic>
+        <p:nvPicPr>
+          <p:cNvPr id="7" name="Picture 6">
+            <a:extLst>
+              <a:ext uri="{FF2B5EF4-FFF2-40B4-BE49-F238E27FC236}">
+                <a16:creationId xmlns:a16="http://schemas.microsoft.com/office/drawing/2014/main" id="{3C4D5301-B9BD-3621-47B7-E18D9BB9A579}"/>
+              </a:ext>
+            </a:extLst>
+          </p:cNvPr>
+          <p:cNvPicPr>
+            <a:picLocks noChangeAspect="1"/>
+          </p:cNvPicPr>
+          <p:nvPr/>
+        </p:nvPicPr>
+        <p:blipFill>
+          <a:blip r:embed="rId3"/>
+          <a:stretch>
+            <a:fillRect/>
+          </a:stretch>
+        </p:blipFill>
+        <p:spPr>
+          <a:xfrm>
+            <a:off x="0" y="794"/>
+            <a:ext cx="5334000" cy="4000500"/>
+          </a:xfrm>
+          <a:prstGeom prst="rect">
+            <a:avLst/>
+          </a:prstGeom>
+          <a:ln>
+            <a:solidFill>
+              <a:schemeClr val="accent1"/>
+            </a:solidFill>
+          </a:ln>
+        </p:spPr>
+      </p:pic>
+    </p:spTree>
+    <p:extLst>
+      <p:ext uri="{BB962C8B-B14F-4D97-AF65-F5344CB8AC3E}">
+        <p14:creationId xmlns:p14="http://schemas.microsoft.com/office/powerpoint/2010/main" val="2331014342"/>
+      </p:ext>
+    </p:extLst>
+  </p:cSld>
+  <p:clrMapOvr>
+    <a:masterClrMapping/>
+  </p:clrMapOvr>
+</p:sld>
+</file>
+
 <file path=ppt/slides/slide2.xml><?xml version="1.0" encoding="utf-8"?>
 <p:sld xmlns:a="http://schemas.openxmlformats.org/drawingml/2006/main" xmlns:r="http://schemas.openxmlformats.org/officeDocument/2006/relationships" xmlns:p="http://schemas.openxmlformats.org/presentationml/2006/main">
   <p:cSld>
@@ -3719,7 +4173,7 @@
           <a:bodyPr/>
           <a:lstStyle/>
           <a:p>
-            <a:endParaRPr lang="en-US"/>
+            <a:endParaRPr lang="en-US" dirty="0"/>
           </a:p>
         </p:txBody>
       </p:sp>
@@ -4437,6 +4891,156 @@
     <p:extLst>
       <p:ext uri="{BB962C8B-B14F-4D97-AF65-F5344CB8AC3E}">
         <p14:creationId xmlns:p14="http://schemas.microsoft.com/office/powerpoint/2010/main" val="3653468293"/>
+      </p:ext>
+    </p:extLst>
+  </p:cSld>
+  <p:clrMapOvr>
+    <a:masterClrMapping/>
+  </p:clrMapOvr>
+</p:sld>
+</file>
+
+<file path=ppt/slides/slide9.xml><?xml version="1.0" encoding="utf-8"?>
+<p:sld xmlns:a="http://schemas.openxmlformats.org/drawingml/2006/main" xmlns:r="http://schemas.openxmlformats.org/officeDocument/2006/relationships" xmlns:p="http://schemas.openxmlformats.org/presentationml/2006/main">
+  <p:cSld>
+    <p:spTree>
+      <p:nvGrpSpPr>
+        <p:cNvPr id="1" name=""/>
+        <p:cNvGrpSpPr/>
+        <p:nvPr/>
+      </p:nvGrpSpPr>
+      <p:grpSpPr>
+        <a:xfrm>
+          <a:off x="0" y="0"/>
+          <a:ext cx="0" cy="0"/>
+          <a:chOff x="0" y="0"/>
+          <a:chExt cx="0" cy="0"/>
+        </a:xfrm>
+      </p:grpSpPr>
+      <p:sp>
+        <p:nvSpPr>
+          <p:cNvPr id="2" name="Title 1">
+            <a:extLst>
+              <a:ext uri="{FF2B5EF4-FFF2-40B4-BE49-F238E27FC236}">
+                <a16:creationId xmlns:a16="http://schemas.microsoft.com/office/drawing/2014/main" id="{3F6B8844-C525-A425-38F8-6B37F7BB525C}"/>
+              </a:ext>
+            </a:extLst>
+          </p:cNvPr>
+          <p:cNvSpPr>
+            <a:spLocks noGrp="1"/>
+          </p:cNvSpPr>
+          <p:nvPr>
+            <p:ph type="title"/>
+          </p:nvPr>
+        </p:nvSpPr>
+        <p:spPr/>
+        <p:txBody>
+          <a:bodyPr/>
+          <a:lstStyle/>
+          <a:p>
+            <a:endParaRPr lang="en-US"/>
+          </a:p>
+        </p:txBody>
+      </p:sp>
+      <p:sp>
+        <p:nvSpPr>
+          <p:cNvPr id="3" name="Content Placeholder 2">
+            <a:extLst>
+              <a:ext uri="{FF2B5EF4-FFF2-40B4-BE49-F238E27FC236}">
+                <a16:creationId xmlns:a16="http://schemas.microsoft.com/office/drawing/2014/main" id="{22F67214-4096-216B-7DEF-4E7A02508024}"/>
+              </a:ext>
+            </a:extLst>
+          </p:cNvPr>
+          <p:cNvSpPr>
+            <a:spLocks noGrp="1"/>
+          </p:cNvSpPr>
+          <p:nvPr>
+            <p:ph idx="1"/>
+          </p:nvPr>
+        </p:nvSpPr>
+        <p:spPr/>
+        <p:txBody>
+          <a:bodyPr/>
+          <a:lstStyle/>
+          <a:p>
+            <a:endParaRPr lang="en-US"/>
+          </a:p>
+        </p:txBody>
+      </p:sp>
+      <p:pic>
+        <p:nvPicPr>
+          <p:cNvPr id="7" name="Picture 6">
+            <a:extLst>
+              <a:ext uri="{FF2B5EF4-FFF2-40B4-BE49-F238E27FC236}">
+                <a16:creationId xmlns:a16="http://schemas.microsoft.com/office/drawing/2014/main" id="{9C4D1AA1-AAC1-D905-F38F-48153C8EE853}"/>
+              </a:ext>
+            </a:extLst>
+          </p:cNvPr>
+          <p:cNvPicPr>
+            <a:picLocks noChangeAspect="1"/>
+          </p:cNvPicPr>
+          <p:nvPr/>
+        </p:nvPicPr>
+        <p:blipFill>
+          <a:blip r:embed="rId2"/>
+          <a:stretch>
+            <a:fillRect/>
+          </a:stretch>
+        </p:blipFill>
+        <p:spPr>
+          <a:xfrm>
+            <a:off x="0" y="794"/>
+            <a:ext cx="5334000" cy="4000500"/>
+          </a:xfrm>
+          <a:prstGeom prst="rect">
+            <a:avLst/>
+          </a:prstGeom>
+          <a:ln>
+            <a:solidFill>
+              <a:schemeClr val="accent1"/>
+            </a:solidFill>
+          </a:ln>
+        </p:spPr>
+      </p:pic>
+      <p:pic>
+        <p:nvPicPr>
+          <p:cNvPr id="9" name="Picture 8">
+            <a:extLst>
+              <a:ext uri="{FF2B5EF4-FFF2-40B4-BE49-F238E27FC236}">
+                <a16:creationId xmlns:a16="http://schemas.microsoft.com/office/drawing/2014/main" id="{A25472BA-D7EF-1338-1458-D4659BBC6123}"/>
+              </a:ext>
+            </a:extLst>
+          </p:cNvPr>
+          <p:cNvPicPr>
+            <a:picLocks noChangeAspect="1"/>
+          </p:cNvPicPr>
+          <p:nvPr/>
+        </p:nvPicPr>
+        <p:blipFill>
+          <a:blip r:embed="rId3"/>
+          <a:stretch>
+            <a:fillRect/>
+          </a:stretch>
+        </p:blipFill>
+        <p:spPr>
+          <a:xfrm>
+            <a:off x="5334000" y="0"/>
+            <a:ext cx="5334000" cy="4000500"/>
+          </a:xfrm>
+          <a:prstGeom prst="rect">
+            <a:avLst/>
+          </a:prstGeom>
+          <a:ln>
+            <a:solidFill>
+              <a:schemeClr val="accent1"/>
+            </a:solidFill>
+          </a:ln>
+        </p:spPr>
+      </p:pic>
+    </p:spTree>
+    <p:extLst>
+      <p:ext uri="{BB962C8B-B14F-4D97-AF65-F5344CB8AC3E}">
+        <p14:creationId xmlns:p14="http://schemas.microsoft.com/office/powerpoint/2010/main" val="1584606539"/>
       </p:ext>
     </p:extLst>
   </p:cSld>

--- a/images.pptx
+++ b/images.pptx
@@ -17,6 +17,8 @@
     <p:sldId id="265" r:id="rId11"/>
     <p:sldId id="266" r:id="rId12"/>
     <p:sldId id="267" r:id="rId13"/>
+    <p:sldId id="268" r:id="rId14"/>
+    <p:sldId id="269" r:id="rId15"/>
   </p:sldIdLst>
   <p:sldSz cx="12192000" cy="6858000"/>
   <p:notesSz cx="6858000" cy="9144000"/>
@@ -270,7 +272,7 @@
           <a:p>
             <a:fld id="{09B03F73-A0FF-4140-8365-F3268484F61D}" type="datetimeFigureOut">
               <a:rPr lang="en-US" smtClean="0"/>
-              <a:t>3/24/2025</a:t>
+              <a:t>3/25/2025</a:t>
             </a:fld>
             <a:endParaRPr lang="en-US"/>
           </a:p>
@@ -468,7 +470,7 @@
           <a:p>
             <a:fld id="{09B03F73-A0FF-4140-8365-F3268484F61D}" type="datetimeFigureOut">
               <a:rPr lang="en-US" smtClean="0"/>
-              <a:t>3/24/2025</a:t>
+              <a:t>3/25/2025</a:t>
             </a:fld>
             <a:endParaRPr lang="en-US"/>
           </a:p>
@@ -676,7 +678,7 @@
           <a:p>
             <a:fld id="{09B03F73-A0FF-4140-8365-F3268484F61D}" type="datetimeFigureOut">
               <a:rPr lang="en-US" smtClean="0"/>
-              <a:t>3/24/2025</a:t>
+              <a:t>3/25/2025</a:t>
             </a:fld>
             <a:endParaRPr lang="en-US"/>
           </a:p>
@@ -874,7 +876,7 @@
           <a:p>
             <a:fld id="{09B03F73-A0FF-4140-8365-F3268484F61D}" type="datetimeFigureOut">
               <a:rPr lang="en-US" smtClean="0"/>
-              <a:t>3/24/2025</a:t>
+              <a:t>3/25/2025</a:t>
             </a:fld>
             <a:endParaRPr lang="en-US"/>
           </a:p>
@@ -1149,7 +1151,7 @@
           <a:p>
             <a:fld id="{09B03F73-A0FF-4140-8365-F3268484F61D}" type="datetimeFigureOut">
               <a:rPr lang="en-US" smtClean="0"/>
-              <a:t>3/24/2025</a:t>
+              <a:t>3/25/2025</a:t>
             </a:fld>
             <a:endParaRPr lang="en-US"/>
           </a:p>
@@ -1414,7 +1416,7 @@
           <a:p>
             <a:fld id="{09B03F73-A0FF-4140-8365-F3268484F61D}" type="datetimeFigureOut">
               <a:rPr lang="en-US" smtClean="0"/>
-              <a:t>3/24/2025</a:t>
+              <a:t>3/25/2025</a:t>
             </a:fld>
             <a:endParaRPr lang="en-US"/>
           </a:p>
@@ -1826,7 +1828,7 @@
           <a:p>
             <a:fld id="{09B03F73-A0FF-4140-8365-F3268484F61D}" type="datetimeFigureOut">
               <a:rPr lang="en-US" smtClean="0"/>
-              <a:t>3/24/2025</a:t>
+              <a:t>3/25/2025</a:t>
             </a:fld>
             <a:endParaRPr lang="en-US"/>
           </a:p>
@@ -1967,7 +1969,7 @@
           <a:p>
             <a:fld id="{09B03F73-A0FF-4140-8365-F3268484F61D}" type="datetimeFigureOut">
               <a:rPr lang="en-US" smtClean="0"/>
-              <a:t>3/24/2025</a:t>
+              <a:t>3/25/2025</a:t>
             </a:fld>
             <a:endParaRPr lang="en-US"/>
           </a:p>
@@ -2080,7 +2082,7 @@
           <a:p>
             <a:fld id="{09B03F73-A0FF-4140-8365-F3268484F61D}" type="datetimeFigureOut">
               <a:rPr lang="en-US" smtClean="0"/>
-              <a:t>3/24/2025</a:t>
+              <a:t>3/25/2025</a:t>
             </a:fld>
             <a:endParaRPr lang="en-US"/>
           </a:p>
@@ -2391,7 +2393,7 @@
           <a:p>
             <a:fld id="{09B03F73-A0FF-4140-8365-F3268484F61D}" type="datetimeFigureOut">
               <a:rPr lang="en-US" smtClean="0"/>
-              <a:t>3/24/2025</a:t>
+              <a:t>3/25/2025</a:t>
             </a:fld>
             <a:endParaRPr lang="en-US"/>
           </a:p>
@@ -2679,7 +2681,7 @@
           <a:p>
             <a:fld id="{09B03F73-A0FF-4140-8365-F3268484F61D}" type="datetimeFigureOut">
               <a:rPr lang="en-US" smtClean="0"/>
-              <a:t>3/24/2025</a:t>
+              <a:t>3/25/2025</a:t>
             </a:fld>
             <a:endParaRPr lang="en-US"/>
           </a:p>
@@ -2920,7 +2922,7 @@
           <a:p>
             <a:fld id="{09B03F73-A0FF-4140-8365-F3268484F61D}" type="datetimeFigureOut">
               <a:rPr lang="en-US" smtClean="0"/>
-              <a:t>3/24/2025</a:t>
+              <a:t>3/25/2025</a:t>
             </a:fld>
             <a:endParaRPr lang="en-US"/>
           </a:p>
@@ -3931,6 +3933,306 @@
     <p:extLst>
       <p:ext uri="{BB962C8B-B14F-4D97-AF65-F5344CB8AC3E}">
         <p14:creationId xmlns:p14="http://schemas.microsoft.com/office/powerpoint/2010/main" val="2331014342"/>
+      </p:ext>
+    </p:extLst>
+  </p:cSld>
+  <p:clrMapOvr>
+    <a:masterClrMapping/>
+  </p:clrMapOvr>
+</p:sld>
+</file>
+
+<file path=ppt/slides/slide13.xml><?xml version="1.0" encoding="utf-8"?>
+<p:sld xmlns:a="http://schemas.openxmlformats.org/drawingml/2006/main" xmlns:r="http://schemas.openxmlformats.org/officeDocument/2006/relationships" xmlns:p="http://schemas.openxmlformats.org/presentationml/2006/main">
+  <p:cSld>
+    <p:spTree>
+      <p:nvGrpSpPr>
+        <p:cNvPr id="1" name=""/>
+        <p:cNvGrpSpPr/>
+        <p:nvPr/>
+      </p:nvGrpSpPr>
+      <p:grpSpPr>
+        <a:xfrm>
+          <a:off x="0" y="0"/>
+          <a:ext cx="0" cy="0"/>
+          <a:chOff x="0" y="0"/>
+          <a:chExt cx="0" cy="0"/>
+        </a:xfrm>
+      </p:grpSpPr>
+      <p:sp>
+        <p:nvSpPr>
+          <p:cNvPr id="2" name="Title 1">
+            <a:extLst>
+              <a:ext uri="{FF2B5EF4-FFF2-40B4-BE49-F238E27FC236}">
+                <a16:creationId xmlns:a16="http://schemas.microsoft.com/office/drawing/2014/main" id="{0E887B7B-05E0-BE20-219E-E5F2B2604227}"/>
+              </a:ext>
+            </a:extLst>
+          </p:cNvPr>
+          <p:cNvSpPr>
+            <a:spLocks noGrp="1"/>
+          </p:cNvSpPr>
+          <p:nvPr>
+            <p:ph type="title"/>
+          </p:nvPr>
+        </p:nvSpPr>
+        <p:spPr/>
+        <p:txBody>
+          <a:bodyPr/>
+          <a:lstStyle/>
+          <a:p>
+            <a:endParaRPr lang="en-US"/>
+          </a:p>
+        </p:txBody>
+      </p:sp>
+      <p:sp>
+        <p:nvSpPr>
+          <p:cNvPr id="3" name="Content Placeholder 2">
+            <a:extLst>
+              <a:ext uri="{FF2B5EF4-FFF2-40B4-BE49-F238E27FC236}">
+                <a16:creationId xmlns:a16="http://schemas.microsoft.com/office/drawing/2014/main" id="{DF4C6C01-955A-1EE4-7CE4-699FAF70D201}"/>
+              </a:ext>
+            </a:extLst>
+          </p:cNvPr>
+          <p:cNvSpPr>
+            <a:spLocks noGrp="1"/>
+          </p:cNvSpPr>
+          <p:nvPr>
+            <p:ph idx="1"/>
+          </p:nvPr>
+        </p:nvSpPr>
+        <p:spPr/>
+        <p:txBody>
+          <a:bodyPr/>
+          <a:lstStyle/>
+          <a:p>
+            <a:endParaRPr lang="en-US"/>
+          </a:p>
+        </p:txBody>
+      </p:sp>
+      <p:pic>
+        <p:nvPicPr>
+          <p:cNvPr id="7" name="Picture 6">
+            <a:extLst>
+              <a:ext uri="{FF2B5EF4-FFF2-40B4-BE49-F238E27FC236}">
+                <a16:creationId xmlns:a16="http://schemas.microsoft.com/office/drawing/2014/main" id="{BB5DCE17-1005-D87C-FF8B-246981AD24A9}"/>
+              </a:ext>
+            </a:extLst>
+          </p:cNvPr>
+          <p:cNvPicPr>
+            <a:picLocks noChangeAspect="1"/>
+          </p:cNvPicPr>
+          <p:nvPr/>
+        </p:nvPicPr>
+        <p:blipFill>
+          <a:blip r:embed="rId2"/>
+          <a:stretch>
+            <a:fillRect/>
+          </a:stretch>
+        </p:blipFill>
+        <p:spPr>
+          <a:xfrm>
+            <a:off x="5334000" y="0"/>
+            <a:ext cx="5334000" cy="4000500"/>
+          </a:xfrm>
+          <a:prstGeom prst="rect">
+            <a:avLst/>
+          </a:prstGeom>
+          <a:ln>
+            <a:solidFill>
+              <a:schemeClr val="accent1"/>
+            </a:solidFill>
+          </a:ln>
+        </p:spPr>
+      </p:pic>
+      <p:pic>
+        <p:nvPicPr>
+          <p:cNvPr id="9" name="Picture 8">
+            <a:extLst>
+              <a:ext uri="{FF2B5EF4-FFF2-40B4-BE49-F238E27FC236}">
+                <a16:creationId xmlns:a16="http://schemas.microsoft.com/office/drawing/2014/main" id="{7E7D9109-1411-382D-CEA8-BBB574877205}"/>
+              </a:ext>
+            </a:extLst>
+          </p:cNvPr>
+          <p:cNvPicPr>
+            <a:picLocks noChangeAspect="1"/>
+          </p:cNvPicPr>
+          <p:nvPr/>
+        </p:nvPicPr>
+        <p:blipFill>
+          <a:blip r:embed="rId3"/>
+          <a:stretch>
+            <a:fillRect/>
+          </a:stretch>
+        </p:blipFill>
+        <p:spPr>
+          <a:xfrm>
+            <a:off x="0" y="0"/>
+            <a:ext cx="5334000" cy="4000500"/>
+          </a:xfrm>
+          <a:prstGeom prst="rect">
+            <a:avLst/>
+          </a:prstGeom>
+          <a:ln>
+            <a:solidFill>
+              <a:schemeClr val="accent1"/>
+            </a:solidFill>
+          </a:ln>
+        </p:spPr>
+      </p:pic>
+    </p:spTree>
+    <p:extLst>
+      <p:ext uri="{BB962C8B-B14F-4D97-AF65-F5344CB8AC3E}">
+        <p14:creationId xmlns:p14="http://schemas.microsoft.com/office/powerpoint/2010/main" val="984293409"/>
+      </p:ext>
+    </p:extLst>
+  </p:cSld>
+  <p:clrMapOvr>
+    <a:masterClrMapping/>
+  </p:clrMapOvr>
+</p:sld>
+</file>
+
+<file path=ppt/slides/slide14.xml><?xml version="1.0" encoding="utf-8"?>
+<p:sld xmlns:a="http://schemas.openxmlformats.org/drawingml/2006/main" xmlns:r="http://schemas.openxmlformats.org/officeDocument/2006/relationships" xmlns:p="http://schemas.openxmlformats.org/presentationml/2006/main">
+  <p:cSld>
+    <p:spTree>
+      <p:nvGrpSpPr>
+        <p:cNvPr id="1" name=""/>
+        <p:cNvGrpSpPr/>
+        <p:nvPr/>
+      </p:nvGrpSpPr>
+      <p:grpSpPr>
+        <a:xfrm>
+          <a:off x="0" y="0"/>
+          <a:ext cx="0" cy="0"/>
+          <a:chOff x="0" y="0"/>
+          <a:chExt cx="0" cy="0"/>
+        </a:xfrm>
+      </p:grpSpPr>
+      <p:sp>
+        <p:nvSpPr>
+          <p:cNvPr id="2" name="Title 1">
+            <a:extLst>
+              <a:ext uri="{FF2B5EF4-FFF2-40B4-BE49-F238E27FC236}">
+                <a16:creationId xmlns:a16="http://schemas.microsoft.com/office/drawing/2014/main" id="{2C7A2D89-7C45-F05E-B9B5-CFEEAB54E4D7}"/>
+              </a:ext>
+            </a:extLst>
+          </p:cNvPr>
+          <p:cNvSpPr>
+            <a:spLocks noGrp="1"/>
+          </p:cNvSpPr>
+          <p:nvPr>
+            <p:ph type="title"/>
+          </p:nvPr>
+        </p:nvSpPr>
+        <p:spPr/>
+        <p:txBody>
+          <a:bodyPr/>
+          <a:lstStyle/>
+          <a:p>
+            <a:endParaRPr lang="en-US"/>
+          </a:p>
+        </p:txBody>
+      </p:sp>
+      <p:sp>
+        <p:nvSpPr>
+          <p:cNvPr id="3" name="Content Placeholder 2">
+            <a:extLst>
+              <a:ext uri="{FF2B5EF4-FFF2-40B4-BE49-F238E27FC236}">
+                <a16:creationId xmlns:a16="http://schemas.microsoft.com/office/drawing/2014/main" id="{8C857079-BC81-0B95-8754-728D9817B2EC}"/>
+              </a:ext>
+            </a:extLst>
+          </p:cNvPr>
+          <p:cNvSpPr>
+            <a:spLocks noGrp="1"/>
+          </p:cNvSpPr>
+          <p:nvPr>
+            <p:ph idx="1"/>
+          </p:nvPr>
+        </p:nvSpPr>
+        <p:spPr/>
+        <p:txBody>
+          <a:bodyPr/>
+          <a:lstStyle/>
+          <a:p>
+            <a:endParaRPr lang="en-US"/>
+          </a:p>
+        </p:txBody>
+      </p:sp>
+      <p:pic>
+        <p:nvPicPr>
+          <p:cNvPr id="5" name="Picture 4">
+            <a:extLst>
+              <a:ext uri="{FF2B5EF4-FFF2-40B4-BE49-F238E27FC236}">
+                <a16:creationId xmlns:a16="http://schemas.microsoft.com/office/drawing/2014/main" id="{E8A47BE4-CF5A-D293-A29F-97C81CB77AED}"/>
+              </a:ext>
+            </a:extLst>
+          </p:cNvPr>
+          <p:cNvPicPr>
+            <a:picLocks noChangeAspect="1"/>
+          </p:cNvPicPr>
+          <p:nvPr/>
+        </p:nvPicPr>
+        <p:blipFill>
+          <a:blip r:embed="rId2"/>
+          <a:stretch>
+            <a:fillRect/>
+          </a:stretch>
+        </p:blipFill>
+        <p:spPr>
+          <a:xfrm>
+            <a:off x="5334000" y="0"/>
+            <a:ext cx="5334000" cy="4000500"/>
+          </a:xfrm>
+          <a:prstGeom prst="rect">
+            <a:avLst/>
+          </a:prstGeom>
+          <a:ln>
+            <a:solidFill>
+              <a:schemeClr val="accent1"/>
+            </a:solidFill>
+          </a:ln>
+        </p:spPr>
+      </p:pic>
+      <p:pic>
+        <p:nvPicPr>
+          <p:cNvPr id="11" name="Picture 10">
+            <a:extLst>
+              <a:ext uri="{FF2B5EF4-FFF2-40B4-BE49-F238E27FC236}">
+                <a16:creationId xmlns:a16="http://schemas.microsoft.com/office/drawing/2014/main" id="{894606E3-DB36-98D1-3896-122E55CFB5FA}"/>
+              </a:ext>
+            </a:extLst>
+          </p:cNvPr>
+          <p:cNvPicPr>
+            <a:picLocks noChangeAspect="1"/>
+          </p:cNvPicPr>
+          <p:nvPr/>
+        </p:nvPicPr>
+        <p:blipFill>
+          <a:blip r:embed="rId3"/>
+          <a:stretch>
+            <a:fillRect/>
+          </a:stretch>
+        </p:blipFill>
+        <p:spPr>
+          <a:xfrm>
+            <a:off x="0" y="794"/>
+            <a:ext cx="5334000" cy="4000500"/>
+          </a:xfrm>
+          <a:prstGeom prst="rect">
+            <a:avLst/>
+          </a:prstGeom>
+          <a:ln>
+            <a:solidFill>
+              <a:schemeClr val="accent1"/>
+            </a:solidFill>
+          </a:ln>
+        </p:spPr>
+      </p:pic>
+    </p:spTree>
+    <p:extLst>
+      <p:ext uri="{BB962C8B-B14F-4D97-AF65-F5344CB8AC3E}">
+        <p14:creationId xmlns:p14="http://schemas.microsoft.com/office/powerpoint/2010/main" val="101818066"/>
       </p:ext>
     </p:extLst>
   </p:cSld>
